--- a/Documents/PPT/Sprint1.pptx
+++ b/Documents/PPT/Sprint1.pptx
@@ -7,10 +7,10 @@
   <p:sldIdLst>
     <p:sldId id="256" r:id="rId2"/>
     <p:sldId id="266" r:id="rId3"/>
-    <p:sldId id="267" r:id="rId4"/>
-    <p:sldId id="271" r:id="rId5"/>
-    <p:sldId id="268" r:id="rId6"/>
-    <p:sldId id="270" r:id="rId7"/>
+    <p:sldId id="271" r:id="rId4"/>
+    <p:sldId id="270" r:id="rId5"/>
+    <p:sldId id="267" r:id="rId6"/>
+    <p:sldId id="268" r:id="rId7"/>
     <p:sldId id="269" r:id="rId8"/>
     <p:sldId id="264" r:id="rId9"/>
     <p:sldId id="265" r:id="rId10"/>
@@ -4572,137 +4572,6 @@
           <p:cNvPr id="2" name="Title 1">
             <a:extLst>
               <a:ext uri="{FF2B5EF4-FFF2-40B4-BE49-F238E27FC236}">
-                <a16:creationId xmlns:a16="http://schemas.microsoft.com/office/drawing/2014/main" id="{69176454-A015-0493-A9C9-F904049EDDFF}"/>
-              </a:ext>
-            </a:extLst>
-          </p:cNvPr>
-          <p:cNvSpPr>
-            <a:spLocks noGrp="1"/>
-          </p:cNvSpPr>
-          <p:nvPr>
-            <p:ph type="title"/>
-          </p:nvPr>
-        </p:nvSpPr>
-        <p:spPr/>
-        <p:txBody>
-          <a:bodyPr/>
-          <a:lstStyle/>
-          <a:p>
-            <a:r>
-              <a:rPr lang="en-US" dirty="0"/>
-              <a:t>Sprint 1 Retrospective</a:t>
-            </a:r>
-          </a:p>
-        </p:txBody>
-      </p:sp>
-      <p:sp>
-        <p:nvSpPr>
-          <p:cNvPr id="3" name="Content Placeholder 2">
-            <a:extLst>
-              <a:ext uri="{FF2B5EF4-FFF2-40B4-BE49-F238E27FC236}">
-                <a16:creationId xmlns:a16="http://schemas.microsoft.com/office/drawing/2014/main" id="{B91D92A1-B7B2-2E25-1420-0CF229DD9AA4}"/>
-              </a:ext>
-            </a:extLst>
-          </p:cNvPr>
-          <p:cNvSpPr>
-            <a:spLocks noGrp="1"/>
-          </p:cNvSpPr>
-          <p:nvPr>
-            <p:ph idx="1"/>
-          </p:nvPr>
-        </p:nvSpPr>
-        <p:spPr/>
-        <p:txBody>
-          <a:bodyPr/>
-          <a:lstStyle/>
-          <a:p>
-            <a:pPr marL="0" indent="0">
-              <a:buNone/>
-            </a:pPr>
-            <a:r>
-              <a:rPr lang="en-IN" b="1" dirty="0">
-                <a:effectLst/>
-                <a:latin typeface="Helvetica Neue" panose="02000503000000020004" pitchFamily="2" charset="0"/>
-              </a:rPr>
-              <a:t>What went well?</a:t>
-            </a:r>
-          </a:p>
-          <a:p>
-            <a:r>
-              <a:rPr lang="en-IN" dirty="0">
-                <a:effectLst/>
-                <a:latin typeface="Helvetica Neue" panose="02000503000000020004" pitchFamily="2" charset="0"/>
-              </a:rPr>
-              <a:t>We have completed most of the backend features as we planned.</a:t>
-            </a:r>
-          </a:p>
-          <a:p>
-            <a:r>
-              <a:rPr lang="en-IN" dirty="0">
-                <a:effectLst/>
-                <a:latin typeface="Helvetica Neue" panose="02000503000000020004" pitchFamily="2" charset="0"/>
-              </a:rPr>
-              <a:t>We have completed most of the main features in the backend.</a:t>
-            </a:r>
-          </a:p>
-          <a:p>
-            <a:r>
-              <a:rPr lang="en-IN" dirty="0">
-                <a:effectLst/>
-                <a:latin typeface="Helvetica Neue" panose="02000503000000020004" pitchFamily="2" charset="0"/>
-              </a:rPr>
-              <a:t>We had a good understanding of the cards.</a:t>
-            </a:r>
-          </a:p>
-          <a:p>
-            <a:r>
-              <a:rPr lang="en-IN" dirty="0">
-                <a:latin typeface="Helvetica Neue" panose="02000503000000020004" pitchFamily="2" charset="0"/>
-              </a:rPr>
-              <a:t>We followed a strict and good git branching strategy, which everyone understood very well.</a:t>
-            </a:r>
-            <a:endParaRPr lang="en-IN" dirty="0">
-              <a:effectLst/>
-              <a:latin typeface="Helvetica Neue" panose="02000503000000020004" pitchFamily="2" charset="0"/>
-            </a:endParaRPr>
-          </a:p>
-        </p:txBody>
-      </p:sp>
-    </p:spTree>
-    <p:extLst>
-      <p:ext uri="{BB962C8B-B14F-4D97-AF65-F5344CB8AC3E}">
-        <p14:creationId xmlns:p14="http://schemas.microsoft.com/office/powerpoint/2010/main" val="2777539176"/>
-      </p:ext>
-    </p:extLst>
-  </p:cSld>
-  <p:clrMapOvr>
-    <a:masterClrMapping/>
-  </p:clrMapOvr>
-</p:sld>
-</file>
-
-<file path=ppt/slides/slide4.xml><?xml version="1.0" encoding="utf-8"?>
-<p:sld xmlns:a="http://schemas.openxmlformats.org/drawingml/2006/main" xmlns:r="http://schemas.openxmlformats.org/officeDocument/2006/relationships" xmlns:p="http://schemas.openxmlformats.org/presentationml/2006/main">
-  <p:cSld>
-    <p:spTree>
-      <p:nvGrpSpPr>
-        <p:cNvPr id="1" name=""/>
-        <p:cNvGrpSpPr/>
-        <p:nvPr/>
-      </p:nvGrpSpPr>
-      <p:grpSpPr>
-        <a:xfrm>
-          <a:off x="0" y="0"/>
-          <a:ext cx="0" cy="0"/>
-          <a:chOff x="0" y="0"/>
-          <a:chExt cx="0" cy="0"/>
-        </a:xfrm>
-      </p:grpSpPr>
-      <p:sp>
-        <p:nvSpPr>
-          <p:cNvPr id="2" name="Title 1">
-            <a:extLst>
-              <a:ext uri="{FF2B5EF4-FFF2-40B4-BE49-F238E27FC236}">
                 <a16:creationId xmlns:a16="http://schemas.microsoft.com/office/drawing/2014/main" id="{7B02A9E7-D5BE-08AB-67A0-386220858861}"/>
               </a:ext>
             </a:extLst>
@@ -4768,6 +4637,93 @@
 </p:sld>
 </file>
 
+<file path=ppt/slides/slide4.xml><?xml version="1.0" encoding="utf-8"?>
+<p:sld xmlns:a="http://schemas.openxmlformats.org/drawingml/2006/main" xmlns:r="http://schemas.openxmlformats.org/officeDocument/2006/relationships" xmlns:p="http://schemas.openxmlformats.org/presentationml/2006/main">
+  <p:cSld>
+    <p:spTree>
+      <p:nvGrpSpPr>
+        <p:cNvPr id="1" name=""/>
+        <p:cNvGrpSpPr/>
+        <p:nvPr/>
+      </p:nvGrpSpPr>
+      <p:grpSpPr>
+        <a:xfrm>
+          <a:off x="0" y="0"/>
+          <a:ext cx="0" cy="0"/>
+          <a:chOff x="0" y="0"/>
+          <a:chExt cx="0" cy="0"/>
+        </a:xfrm>
+      </p:grpSpPr>
+      <p:sp>
+        <p:nvSpPr>
+          <p:cNvPr id="2" name="Title 1">
+            <a:extLst>
+              <a:ext uri="{FF2B5EF4-FFF2-40B4-BE49-F238E27FC236}">
+                <a16:creationId xmlns:a16="http://schemas.microsoft.com/office/drawing/2014/main" id="{E7DD3E5C-F4BD-6333-DEC1-578AE93BDFE1}"/>
+              </a:ext>
+            </a:extLst>
+          </p:cNvPr>
+          <p:cNvSpPr>
+            <a:spLocks noGrp="1"/>
+          </p:cNvSpPr>
+          <p:nvPr>
+            <p:ph type="title"/>
+          </p:nvPr>
+        </p:nvSpPr>
+        <p:spPr/>
+        <p:txBody>
+          <a:bodyPr/>
+          <a:lstStyle/>
+          <a:p>
+            <a:r>
+              <a:rPr lang="en-US" dirty="0"/>
+              <a:t>Sprint 1 Plan</a:t>
+            </a:r>
+          </a:p>
+        </p:txBody>
+      </p:sp>
+      <p:pic>
+        <p:nvPicPr>
+          <p:cNvPr id="5" name="Content Placeholder 4" descr="Graphical user interface, application, Teams&#10;&#10;Description automatically generated">
+            <a:extLst>
+              <a:ext uri="{FF2B5EF4-FFF2-40B4-BE49-F238E27FC236}">
+                <a16:creationId xmlns:a16="http://schemas.microsoft.com/office/drawing/2014/main" id="{9D4FFA9D-49EC-0178-FF61-512E7BA6BB6E}"/>
+              </a:ext>
+            </a:extLst>
+          </p:cNvPr>
+          <p:cNvPicPr>
+            <a:picLocks noGrp="1" noChangeAspect="1"/>
+          </p:cNvPicPr>
+          <p:nvPr>
+            <p:ph idx="1"/>
+          </p:nvPr>
+        </p:nvPicPr>
+        <p:blipFill>
+          <a:blip r:embed="rId2"/>
+          <a:stretch>
+            <a:fillRect/>
+          </a:stretch>
+        </p:blipFill>
+        <p:spPr>
+          <a:xfrm>
+            <a:off x="0" y="1222149"/>
+            <a:ext cx="11652422" cy="5541497"/>
+          </a:xfrm>
+        </p:spPr>
+      </p:pic>
+    </p:spTree>
+    <p:extLst>
+      <p:ext uri="{BB962C8B-B14F-4D97-AF65-F5344CB8AC3E}">
+        <p14:creationId xmlns:p14="http://schemas.microsoft.com/office/powerpoint/2010/main" val="2313147358"/>
+      </p:ext>
+    </p:extLst>
+  </p:cSld>
+  <p:clrMapOvr>
+    <a:masterClrMapping/>
+  </p:clrMapOvr>
+</p:sld>
+</file>
+
 <file path=ppt/slides/slide5.xml><?xml version="1.0" encoding="utf-8"?>
 <p:sld xmlns:a="http://schemas.openxmlformats.org/drawingml/2006/main" xmlns:r="http://schemas.openxmlformats.org/officeDocument/2006/relationships" xmlns:p="http://schemas.openxmlformats.org/presentationml/2006/main">
   <p:cSld>
@@ -4842,7 +4798,7 @@
                 <a:effectLst/>
                 <a:latin typeface="Helvetica Neue" panose="02000503000000020004" pitchFamily="2" charset="0"/>
               </a:rPr>
-              <a:t>What didn’t go well?</a:t>
+              <a:t>What went well?</a:t>
             </a:r>
           </a:p>
           <a:p>
@@ -4851,7 +4807,7 @@
                 <a:effectLst/>
                 <a:latin typeface="Helvetica Neue" panose="02000503000000020004" pitchFamily="2" charset="0"/>
               </a:rPr>
-              <a:t>We couldn’t be able to find a good dataset which cost more time.</a:t>
+              <a:t>We have completed most of the backend features as we planned.</a:t>
             </a:r>
           </a:p>
           <a:p>
@@ -4860,15 +4816,36 @@
                 <a:effectLst/>
                 <a:latin typeface="Helvetica Neue" panose="02000503000000020004" pitchFamily="2" charset="0"/>
               </a:rPr>
-              <a:t>We were unable to finish 2-3 cards as we planned.</a:t>
-            </a:r>
+              <a:t>We have completed most of the main features in the backend.</a:t>
+            </a:r>
+          </a:p>
+          <a:p>
+            <a:r>
+              <a:rPr lang="en-IN" dirty="0">
+                <a:effectLst/>
+                <a:latin typeface="Helvetica Neue" panose="02000503000000020004" pitchFamily="2" charset="0"/>
+              </a:rPr>
+              <a:t>We had a good understanding of the cards.</a:t>
+            </a:r>
+          </a:p>
+          <a:p>
+            <a:r>
+              <a:rPr lang="en-IN" dirty="0">
+                <a:latin typeface="Helvetica Neue" panose="02000503000000020004" pitchFamily="2" charset="0"/>
+              </a:rPr>
+              <a:t>We followed a strict and good git branching strategy, which everyone understood very well.</a:t>
+            </a:r>
+            <a:endParaRPr lang="en-IN" dirty="0">
+              <a:effectLst/>
+              <a:latin typeface="Helvetica Neue" panose="02000503000000020004" pitchFamily="2" charset="0"/>
+            </a:endParaRPr>
           </a:p>
         </p:txBody>
       </p:sp>
     </p:spTree>
     <p:extLst>
       <p:ext uri="{BB962C8B-B14F-4D97-AF65-F5344CB8AC3E}">
-        <p14:creationId xmlns:p14="http://schemas.microsoft.com/office/powerpoint/2010/main" val="2427298623"/>
+        <p14:creationId xmlns:p14="http://schemas.microsoft.com/office/powerpoint/2010/main" val="2777539176"/>
       </p:ext>
     </p:extLst>
   </p:cSld>
@@ -4900,7 +4877,7 @@
           <p:cNvPr id="2" name="Title 1">
             <a:extLst>
               <a:ext uri="{FF2B5EF4-FFF2-40B4-BE49-F238E27FC236}">
-                <a16:creationId xmlns:a16="http://schemas.microsoft.com/office/drawing/2014/main" id="{E7DD3E5C-F4BD-6333-DEC1-578AE93BDFE1}"/>
+                <a16:creationId xmlns:a16="http://schemas.microsoft.com/office/drawing/2014/main" id="{69176454-A015-0493-A9C9-F904049EDDFF}"/>
               </a:ext>
             </a:extLst>
           </p:cNvPr>
@@ -4918,44 +4895,67 @@
           <a:p>
             <a:r>
               <a:rPr lang="en-US" dirty="0"/>
-              <a:t>Sprint 1 Plan</a:t>
-            </a:r>
-          </a:p>
-        </p:txBody>
-      </p:sp>
-      <p:pic>
-        <p:nvPicPr>
-          <p:cNvPr id="5" name="Content Placeholder 4" descr="Graphical user interface, application, Teams&#10;&#10;Description automatically generated">
-            <a:extLst>
-              <a:ext uri="{FF2B5EF4-FFF2-40B4-BE49-F238E27FC236}">
-                <a16:creationId xmlns:a16="http://schemas.microsoft.com/office/drawing/2014/main" id="{9D4FFA9D-49EC-0178-FF61-512E7BA6BB6E}"/>
-              </a:ext>
-            </a:extLst>
-          </p:cNvPr>
-          <p:cNvPicPr>
-            <a:picLocks noGrp="1" noChangeAspect="1"/>
-          </p:cNvPicPr>
+              <a:t>Sprint 1 Retrospective</a:t>
+            </a:r>
+          </a:p>
+        </p:txBody>
+      </p:sp>
+      <p:sp>
+        <p:nvSpPr>
+          <p:cNvPr id="3" name="Content Placeholder 2">
+            <a:extLst>
+              <a:ext uri="{FF2B5EF4-FFF2-40B4-BE49-F238E27FC236}">
+                <a16:creationId xmlns:a16="http://schemas.microsoft.com/office/drawing/2014/main" id="{B91D92A1-B7B2-2E25-1420-0CF229DD9AA4}"/>
+              </a:ext>
+            </a:extLst>
+          </p:cNvPr>
+          <p:cNvSpPr>
+            <a:spLocks noGrp="1"/>
+          </p:cNvSpPr>
           <p:nvPr>
             <p:ph idx="1"/>
           </p:nvPr>
-        </p:nvPicPr>
-        <p:blipFill>
-          <a:blip r:embed="rId2"/>
-          <a:stretch>
-            <a:fillRect/>
-          </a:stretch>
-        </p:blipFill>
-        <p:spPr>
-          <a:xfrm>
-            <a:off x="0" y="1222149"/>
-            <a:ext cx="11652422" cy="5541497"/>
-          </a:xfrm>
-        </p:spPr>
-      </p:pic>
+        </p:nvSpPr>
+        <p:spPr/>
+        <p:txBody>
+          <a:bodyPr/>
+          <a:lstStyle/>
+          <a:p>
+            <a:pPr marL="0" indent="0">
+              <a:buNone/>
+            </a:pPr>
+            <a:r>
+              <a:rPr lang="en-IN" b="1" dirty="0">
+                <a:effectLst/>
+                <a:latin typeface="Helvetica Neue" panose="02000503000000020004" pitchFamily="2" charset="0"/>
+              </a:rPr>
+              <a:t>What didn’t go well?</a:t>
+            </a:r>
+          </a:p>
+          <a:p>
+            <a:r>
+              <a:rPr lang="en-IN" dirty="0">
+                <a:effectLst/>
+                <a:latin typeface="Helvetica Neue" panose="02000503000000020004" pitchFamily="2" charset="0"/>
+              </a:rPr>
+              <a:t>We couldn’t be able to find a good dataset which cost more time.</a:t>
+            </a:r>
+          </a:p>
+          <a:p>
+            <a:r>
+              <a:rPr lang="en-IN" dirty="0">
+                <a:effectLst/>
+                <a:latin typeface="Helvetica Neue" panose="02000503000000020004" pitchFamily="2" charset="0"/>
+              </a:rPr>
+              <a:t>We were unable to finish 2-3 cards as we planned.</a:t>
+            </a:r>
+          </a:p>
+        </p:txBody>
+      </p:sp>
     </p:spTree>
     <p:extLst>
       <p:ext uri="{BB962C8B-B14F-4D97-AF65-F5344CB8AC3E}">
-        <p14:creationId xmlns:p14="http://schemas.microsoft.com/office/powerpoint/2010/main" val="2313147358"/>
+        <p14:creationId xmlns:p14="http://schemas.microsoft.com/office/powerpoint/2010/main" val="2427298623"/>
       </p:ext>
     </p:extLst>
   </p:cSld>
